--- a/naan mudalvan ppt.pptx
+++ b/naan mudalvan ppt.pptx
@@ -18,8 +18,8 @@
     <p:sldId id="264" r:id="rId10"/>
     <p:sldId id="265" r:id="rId11"/>
     <p:sldId id="266" r:id="rId12"/>
-    <p:sldId id="267" r:id="rId13"/>
-    <p:sldId id="268" r:id="rId14"/>
+    <p:sldId id="268" r:id="rId13"/>
+    <p:sldId id="269" r:id="rId14"/>
   </p:sldIdLst>
   <p:sldSz type="screen16x9" cy="6858000" cx="12192000"/>
   <p:notesSz cx="12192000" cy="6858000"/>
@@ -145,7 +145,7 @@
       </p:grpSpPr>
       <p:sp>
         <p:nvSpPr>
-          <p:cNvPr id="1048703" name="Header Placeholder 1"/>
+          <p:cNvPr id="1048706" name="Header Placeholder 1"/>
           <p:cNvSpPr>
             <a:spLocks noGrp="1"/>
           </p:cNvSpPr>
@@ -174,7 +174,7 @@
       </p:sp>
       <p:sp>
         <p:nvSpPr>
-          <p:cNvPr id="1048704" name="Date Placeholder 2"/>
+          <p:cNvPr id="1048707" name="Date Placeholder 2"/>
           <p:cNvSpPr>
             <a:spLocks noGrp="1"/>
           </p:cNvSpPr>
@@ -207,7 +207,7 @@
       </p:sp>
       <p:sp>
         <p:nvSpPr>
-          <p:cNvPr id="1048705" name="Slide Image Placeholder 3"/>
+          <p:cNvPr id="1048708" name="Slide Image Placeholder 3"/>
           <p:cNvSpPr>
             <a:spLocks noChangeAspect="1" noRot="1" noGrp="1"/>
           </p:cNvSpPr>
@@ -237,7 +237,7 @@
       </p:sp>
       <p:sp>
         <p:nvSpPr>
-          <p:cNvPr id="1048706" name="Notes Placeholder 4"/>
+          <p:cNvPr id="1048709" name="Notes Placeholder 4"/>
           <p:cNvSpPr>
             <a:spLocks noGrp="1"/>
           </p:cNvSpPr>
@@ -294,7 +294,7 @@
       </p:sp>
       <p:sp>
         <p:nvSpPr>
-          <p:cNvPr id="1048707" name="Footer Placeholder 5"/>
+          <p:cNvPr id="1048710" name="Footer Placeholder 5"/>
           <p:cNvSpPr>
             <a:spLocks noGrp="1"/>
           </p:cNvSpPr>
@@ -323,7 +323,7 @@
       </p:sp>
       <p:sp>
         <p:nvSpPr>
-          <p:cNvPr id="1048708" name="Slide Number Placeholder 6"/>
+          <p:cNvPr id="1048711" name="Slide Number Placeholder 6"/>
           <p:cNvSpPr>
             <a:spLocks noGrp="1"/>
           </p:cNvSpPr>
@@ -457,7 +457,7 @@
   <p:cSld>
     <p:spTree>
       <p:nvGrpSpPr>
-        <p:cNvPr id="32" name=""/>
+        <p:cNvPr id="22" name=""/>
         <p:cNvGrpSpPr/>
         <p:nvPr/>
       </p:nvGrpSpPr>
@@ -471,7 +471,7 @@
       </p:grpSpPr>
       <p:sp>
         <p:nvSpPr>
-          <p:cNvPr id="1048638" name="Slide Image Placeholder 1"/>
+          <p:cNvPr id="1048603" name="Slide Image Placeholder 1"/>
           <p:cNvSpPr>
             <a:spLocks noChangeAspect="1" noRot="1" noGrp="1"/>
           </p:cNvSpPr>
@@ -483,7 +483,7 @@
       </p:sp>
       <p:sp>
         <p:nvSpPr>
-          <p:cNvPr id="1048639" name="Notes Placeholder 2"/>
+          <p:cNvPr id="1048604" name="Notes Placeholder 2"/>
           <p:cNvSpPr>
             <a:spLocks noGrp="1"/>
           </p:cNvSpPr>
@@ -501,7 +501,7 @@
       </p:sp>
       <p:sp>
         <p:nvSpPr>
-          <p:cNvPr id="1048640" name="Slide Number Placeholder 3"/>
+          <p:cNvPr id="1048605" name="Slide Number Placeholder 3"/>
           <p:cNvSpPr>
             <a:spLocks noGrp="1"/>
           </p:cNvSpPr>
@@ -534,7 +534,7 @@
   <p:cSld name="Title Slide">
     <p:spTree>
       <p:nvGrpSpPr>
-        <p:cNvPr id="22" name=""/>
+        <p:cNvPr id="18" name=""/>
         <p:cNvGrpSpPr/>
         <p:nvPr/>
       </p:nvGrpSpPr>
@@ -548,7 +548,7 @@
       </p:grpSpPr>
       <p:sp>
         <p:nvSpPr>
-          <p:cNvPr id="1048602" name="Holder 2"/>
+          <p:cNvPr id="1048591" name="Holder 2"/>
           <p:cNvSpPr>
             <a:spLocks noGrp="1"/>
           </p:cNvSpPr>
@@ -583,7 +583,7 @@
       </p:sp>
       <p:sp>
         <p:nvSpPr>
-          <p:cNvPr id="1048603" name="Holder 3"/>
+          <p:cNvPr id="1048592" name="Holder 3"/>
           <p:cNvSpPr>
             <a:spLocks noGrp="1"/>
           </p:cNvSpPr>
@@ -607,7 +607,7 @@
       </p:sp>
       <p:sp>
         <p:nvSpPr>
-          <p:cNvPr id="1048604" name="Holder 4"/>
+          <p:cNvPr id="1048593" name="Holder 4"/>
           <p:cNvSpPr>
             <a:spLocks noGrp="1"/>
           </p:cNvSpPr>
@@ -634,7 +634,7 @@
       </p:sp>
       <p:sp>
         <p:nvSpPr>
-          <p:cNvPr id="1048605" name="Holder 5"/>
+          <p:cNvPr id="1048594" name="Holder 5"/>
           <p:cNvSpPr>
             <a:spLocks noGrp="1"/>
           </p:cNvSpPr>
@@ -667,7 +667,7 @@
       </p:sp>
       <p:sp>
         <p:nvSpPr>
-          <p:cNvPr id="1048606" name="Holder 6"/>
+          <p:cNvPr id="1048595" name="Holder 6"/>
           <p:cNvSpPr>
             <a:spLocks noGrp="1"/>
           </p:cNvSpPr>
@@ -733,7 +733,7 @@
       </p:grpSpPr>
       <p:sp>
         <p:nvSpPr>
-          <p:cNvPr id="1048689" name="Holder 2"/>
+          <p:cNvPr id="1048692" name="Holder 2"/>
           <p:cNvSpPr>
             <a:spLocks noGrp="1"/>
           </p:cNvSpPr>
@@ -760,7 +760,7 @@
       </p:sp>
       <p:sp>
         <p:nvSpPr>
-          <p:cNvPr id="1048690" name="Holder 3"/>
+          <p:cNvPr id="1048693" name="Holder 3"/>
           <p:cNvSpPr>
             <a:spLocks noGrp="1"/>
           </p:cNvSpPr>
@@ -776,7 +776,7 @@
       </p:sp>
       <p:sp>
         <p:nvSpPr>
-          <p:cNvPr id="1048691" name="Holder 4"/>
+          <p:cNvPr id="1048694" name="Holder 4"/>
           <p:cNvSpPr>
             <a:spLocks noGrp="1"/>
           </p:cNvSpPr>
@@ -803,7 +803,7 @@
       </p:sp>
       <p:sp>
         <p:nvSpPr>
-          <p:cNvPr id="1048692" name="Holder 5"/>
+          <p:cNvPr id="1048695" name="Holder 5"/>
           <p:cNvSpPr>
             <a:spLocks noGrp="1"/>
           </p:cNvSpPr>
@@ -836,7 +836,7 @@
       </p:sp>
       <p:sp>
         <p:nvSpPr>
-          <p:cNvPr id="1048693" name="Holder 6"/>
+          <p:cNvPr id="1048696" name="Holder 6"/>
           <p:cNvSpPr>
             <a:spLocks noGrp="1"/>
           </p:cNvSpPr>
@@ -902,7 +902,7 @@
       </p:grpSpPr>
       <p:sp>
         <p:nvSpPr>
-          <p:cNvPr id="1048694" name="Holder 2"/>
+          <p:cNvPr id="1048697" name="Holder 2"/>
           <p:cNvSpPr>
             <a:spLocks noGrp="1"/>
           </p:cNvSpPr>
@@ -929,7 +929,7 @@
       </p:sp>
       <p:sp>
         <p:nvSpPr>
-          <p:cNvPr id="1048695" name="Holder 3"/>
+          <p:cNvPr id="1048698" name="Holder 3"/>
           <p:cNvSpPr>
             <a:spLocks noGrp="1"/>
           </p:cNvSpPr>
@@ -953,7 +953,7 @@
       </p:sp>
       <p:sp>
         <p:nvSpPr>
-          <p:cNvPr id="1048696" name="Holder 4"/>
+          <p:cNvPr id="1048699" name="Holder 4"/>
           <p:cNvSpPr>
             <a:spLocks noGrp="1"/>
           </p:cNvSpPr>
@@ -977,7 +977,7 @@
       </p:sp>
       <p:sp>
         <p:nvSpPr>
-          <p:cNvPr id="1048697" name="Holder 5"/>
+          <p:cNvPr id="1048700" name="Holder 5"/>
           <p:cNvSpPr>
             <a:spLocks noGrp="1"/>
           </p:cNvSpPr>
@@ -1004,7 +1004,7 @@
       </p:sp>
       <p:sp>
         <p:nvSpPr>
-          <p:cNvPr id="1048698" name="Holder 6"/>
+          <p:cNvPr id="1048701" name="Holder 6"/>
           <p:cNvSpPr>
             <a:spLocks noGrp="1"/>
           </p:cNvSpPr>
@@ -1037,7 +1037,7 @@
       </p:sp>
       <p:sp>
         <p:nvSpPr>
-          <p:cNvPr id="1048699" name="Holder 7"/>
+          <p:cNvPr id="1048702" name="Holder 7"/>
           <p:cNvSpPr>
             <a:spLocks noGrp="1"/>
           </p:cNvSpPr>
@@ -1089,7 +1089,7 @@
   <p:cSld name="Title Only">
     <p:spTree>
       <p:nvGrpSpPr>
-        <p:cNvPr id="18" name=""/>
+        <p:cNvPr id="25" name=""/>
         <p:cNvGrpSpPr/>
         <p:nvPr/>
       </p:nvGrpSpPr>
@@ -1103,7 +1103,7 @@
       </p:grpSpPr>
       <p:sp>
         <p:nvSpPr>
-          <p:cNvPr id="1048591" name="Holder 2"/>
+          <p:cNvPr id="1048606" name="Holder 2"/>
           <p:cNvSpPr>
             <a:spLocks noGrp="1"/>
           </p:cNvSpPr>
@@ -1130,7 +1130,7 @@
       </p:sp>
       <p:sp>
         <p:nvSpPr>
-          <p:cNvPr id="1048592" name="Holder 3"/>
+          <p:cNvPr id="1048607" name="Holder 3"/>
           <p:cNvSpPr>
             <a:spLocks noGrp="1"/>
           </p:cNvSpPr>
@@ -1157,7 +1157,7 @@
       </p:sp>
       <p:sp>
         <p:nvSpPr>
-          <p:cNvPr id="1048593" name="Holder 4"/>
+          <p:cNvPr id="1048608" name="Holder 4"/>
           <p:cNvSpPr>
             <a:spLocks noGrp="1"/>
           </p:cNvSpPr>
@@ -1190,7 +1190,7 @@
       </p:sp>
       <p:sp>
         <p:nvSpPr>
-          <p:cNvPr id="1048594" name="Holder 5"/>
+          <p:cNvPr id="1048609" name="Holder 5"/>
           <p:cNvSpPr>
             <a:spLocks noGrp="1"/>
           </p:cNvSpPr>
@@ -1256,7 +1256,7 @@
       </p:grpSpPr>
       <p:sp>
         <p:nvSpPr>
-          <p:cNvPr id="1048700" name="Holder 2"/>
+          <p:cNvPr id="1048703" name="Holder 2"/>
           <p:cNvSpPr>
             <a:spLocks noGrp="1"/>
           </p:cNvSpPr>
@@ -1283,7 +1283,7 @@
       </p:sp>
       <p:sp>
         <p:nvSpPr>
-          <p:cNvPr id="1048701" name="Holder 3"/>
+          <p:cNvPr id="1048704" name="Holder 3"/>
           <p:cNvSpPr>
             <a:spLocks noGrp="1"/>
           </p:cNvSpPr>
@@ -1316,7 +1316,7 @@
       </p:sp>
       <p:sp>
         <p:nvSpPr>
-          <p:cNvPr id="1048702" name="Holder 4"/>
+          <p:cNvPr id="1048705" name="Holder 4"/>
           <p:cNvSpPr>
             <a:spLocks noGrp="1"/>
           </p:cNvSpPr>
@@ -2172,7 +2172,7 @@
   <p:cSld>
     <p:spTree>
       <p:nvGrpSpPr>
-        <p:cNvPr id="29" name=""/>
+        <p:cNvPr id="19" name=""/>
         <p:cNvGrpSpPr/>
         <p:nvPr/>
       </p:nvGrpSpPr>
@@ -2186,7 +2186,7 @@
       </p:grpSpPr>
       <p:grpSp>
         <p:nvGrpSpPr>
-          <p:cNvPr id="30" name="object 2"/>
+          <p:cNvPr id="20" name="object 2"/>
           <p:cNvGrpSpPr/>
           <p:nvPr/>
         </p:nvGrpSpPr>
@@ -2200,7 +2200,7 @@
         </p:grpSpPr>
         <p:sp>
           <p:nvSpPr>
-            <p:cNvPr id="1048631" name="object 3"/>
+            <p:cNvPr id="1048596" name="object 3"/>
             <p:cNvSpPr/>
             <p:nvPr/>
           </p:nvSpPr>
@@ -2251,7 +2251,7 @@
         </p:sp>
         <p:sp>
           <p:nvSpPr>
-            <p:cNvPr id="1048632" name="object 4"/>
+            <p:cNvPr id="1048597" name="object 4"/>
             <p:cNvSpPr/>
             <p:nvPr/>
           </p:nvSpPr>
@@ -2303,7 +2303,7 @@
       </p:grpSp>
       <p:sp>
         <p:nvSpPr>
-          <p:cNvPr id="1048633" name="object 5"/>
+          <p:cNvPr id="1048598" name="object 5"/>
           <p:cNvSpPr/>
           <p:nvPr/>
         </p:nvSpPr>
@@ -2354,7 +2354,7 @@
       </p:sp>
       <p:sp>
         <p:nvSpPr>
-          <p:cNvPr id="1048634" name="object 6"/>
+          <p:cNvPr id="1048599" name="object 6"/>
           <p:cNvSpPr/>
           <p:nvPr/>
         </p:nvSpPr>
@@ -2405,7 +2405,7 @@
       </p:sp>
       <p:sp>
         <p:nvSpPr>
-          <p:cNvPr id="1048635" name="object 7"/>
+          <p:cNvPr id="1048600" name="object 7"/>
           <p:cNvSpPr txBox="1">
             <a:spLocks noGrp="1"/>
           </p:cNvSpPr>
@@ -2466,7 +2466,7 @@
       </p:sp>
       <p:pic>
         <p:nvPicPr>
-          <p:cNvPr id="2097158" name="object 9"/>
+          <p:cNvPr id="2097152" name="object 9"/>
           <p:cNvPicPr>
             <a:picLocks/>
           </p:cNvPicPr>
@@ -2488,7 +2488,7 @@
       </p:pic>
       <p:sp>
         <p:nvSpPr>
-          <p:cNvPr id="1048636" name="object 11"/>
+          <p:cNvPr id="1048601" name="object 11"/>
           <p:cNvSpPr txBox="1">
             <a:spLocks noGrp="1"/>
           </p:cNvSpPr>
@@ -2526,7 +2526,7 @@
       </p:sp>
       <p:sp>
         <p:nvSpPr>
-          <p:cNvPr id="1048637" name="TextBox 13"/>
+          <p:cNvPr id="1048602" name="TextBox 13"/>
           <p:cNvSpPr txBox="1"/>
           <p:nvPr/>
         </p:nvSpPr>
@@ -2544,28 +2544,275 @@
           </a:bodyPr>
           <a:p>
             <a:r>
-              <a:rPr sz="2400" lang="en-US"/>
+              <a:rPr b="1" sz="2400" lang="en-US"/>
               <a:t>STUDENT NAME:</a:t>
             </a:r>
-            <a:endParaRPr dirty="0" sz="2400" lang="en-US"/>
+            <a:r>
+              <a:rPr b="1" sz="2400" lang="en-US"/>
+              <a:t> </a:t>
+            </a:r>
+            <a:r>
+              <a:rPr b="0" sz="2400" lang="en-US"/>
+              <a:t>D</a:t>
+            </a:r>
+            <a:r>
+              <a:rPr b="0" sz="2400" lang="en-US"/>
+              <a:t>H</a:t>
+            </a:r>
+            <a:r>
+              <a:rPr b="0" sz="2400" lang="en-US"/>
+              <a:t>A</a:t>
+            </a:r>
+            <a:r>
+              <a:rPr b="0" sz="2400" lang="en-US"/>
+              <a:t>R</a:t>
+            </a:r>
+            <a:r>
+              <a:rPr b="0" sz="2400" lang="en-US"/>
+              <a:t>A</a:t>
+            </a:r>
+            <a:r>
+              <a:rPr b="0" sz="2400" lang="en-US"/>
+              <a:t>N</a:t>
+            </a:r>
+            <a:r>
+              <a:rPr b="0" sz="2400" lang="en-US"/>
+              <a:t>I</a:t>
+            </a:r>
+            <a:r>
+              <a:rPr b="0" sz="2400" lang="en-US"/>
+              <a:t> </a:t>
+            </a:r>
+            <a:r>
+              <a:rPr b="0" sz="2400" lang="en-US"/>
+              <a:t>S</a:t>
+            </a:r>
+            <a:r>
+              <a:rPr b="0" sz="2400" lang="en-US"/>
+              <a:t>R</a:t>
+            </a:r>
+            <a:r>
+              <a:rPr b="0" sz="2400" lang="en-US"/>
+              <a:t>E</a:t>
+            </a:r>
+            <a:r>
+              <a:rPr b="0" sz="2400" lang="en-US"/>
+              <a:t>E</a:t>
+            </a:r>
+            <a:r>
+              <a:rPr b="0" sz="2400" lang="en-US"/>
+              <a:t> </a:t>
+            </a:r>
+            <a:r>
+              <a:rPr b="0" sz="2400" lang="en-US"/>
+              <a:t>.</a:t>
+            </a:r>
+            <a:r>
+              <a:rPr b="0" sz="2400" lang="en-US"/>
+              <a:t> </a:t>
+            </a:r>
+            <a:r>
+              <a:rPr b="0" sz="2400" lang="en-US"/>
+              <a:t>R</a:t>
+            </a:r>
+            <a:endParaRPr b="1" dirty="0" sz="2400" lang="en-US"/>
           </a:p>
           <a:p>
             <a:r>
-              <a:rPr dirty="0" sz="2400" lang="en-US"/>
+              <a:rPr b="1" dirty="0" sz="2400" lang="en-US"/>
               <a:t>REGISTER NO:</a:t>
             </a:r>
+            <a:r>
+              <a:rPr b="1" dirty="0" sz="2400" lang="en-US"/>
+              <a:t> </a:t>
+            </a:r>
+            <a:r>
+              <a:rPr b="0" dirty="0" sz="2400" lang="en-US"/>
+              <a:t>3</a:t>
+            </a:r>
+            <a:r>
+              <a:rPr b="0" dirty="0" sz="2400" lang="en-US"/>
+              <a:t>1</a:t>
+            </a:r>
+            <a:r>
+              <a:rPr b="0" dirty="0" sz="2400" lang="en-US"/>
+              <a:t>2</a:t>
+            </a:r>
+            <a:r>
+              <a:rPr b="0" dirty="0" sz="2400" lang="en-US"/>
+              <a:t>2</a:t>
+            </a:r>
+            <a:r>
+              <a:rPr b="0" dirty="0" sz="2400" lang="en-US"/>
+              <a:t>0</a:t>
+            </a:r>
+            <a:r>
+              <a:rPr b="0" dirty="0" sz="2400" lang="en-US"/>
+              <a:t>5</a:t>
+            </a:r>
+            <a:r>
+              <a:rPr b="0" dirty="0" sz="2400" lang="en-US"/>
+              <a:t>8</a:t>
+            </a:r>
+            <a:r>
+              <a:rPr b="0" dirty="0" sz="2400" lang="en-US"/>
+              <a:t>5</a:t>
+            </a:r>
+            <a:r>
+              <a:rPr b="0" dirty="0" sz="2400" lang="en-US"/>
+              <a:t>2</a:t>
+            </a:r>
+            <a:endParaRPr b="1" dirty="0" sz="2400" lang="en-US"/>
           </a:p>
           <a:p>
             <a:r>
-              <a:rPr dirty="0" sz="2400" lang="en-US"/>
+              <a:rPr b="1" dirty="0" sz="2400" lang="en-US"/>
               <a:t>DEPARTMENT:</a:t>
             </a:r>
+            <a:r>
+              <a:rPr b="0" dirty="0" sz="2400" lang="en-US"/>
+              <a:t> </a:t>
+            </a:r>
+            <a:r>
+              <a:rPr b="0" dirty="0" sz="2400" lang="en-US"/>
+              <a:t>C</a:t>
+            </a:r>
+            <a:r>
+              <a:rPr b="0" dirty="0" sz="2400" lang="en-US"/>
+              <a:t>O</a:t>
+            </a:r>
+            <a:r>
+              <a:rPr b="0" dirty="0" sz="2400" lang="en-US"/>
+              <a:t>M</a:t>
+            </a:r>
+            <a:r>
+              <a:rPr b="0" dirty="0" sz="2400" lang="en-US"/>
+              <a:t>M</a:t>
+            </a:r>
+            <a:r>
+              <a:rPr b="0" dirty="0" sz="2400" lang="en-US"/>
+              <a:t>E</a:t>
+            </a:r>
+            <a:r>
+              <a:rPr b="0" dirty="0" sz="2400" lang="en-US"/>
+              <a:t>R</a:t>
+            </a:r>
+            <a:r>
+              <a:rPr b="0" dirty="0" sz="2400" lang="en-US"/>
+              <a:t>C</a:t>
+            </a:r>
+            <a:r>
+              <a:rPr b="0" dirty="0" sz="2400" lang="en-US"/>
+              <a:t>E</a:t>
+            </a:r>
+            <a:endParaRPr b="1" dirty="0" sz="2400" lang="en-US"/>
           </a:p>
           <a:p>
             <a:r>
-              <a:rPr dirty="0" sz="2400" lang="en-US"/>
+              <a:rPr b="1" dirty="0" sz="2400" lang="en-US"/>
               <a:t>COLLEGE</a:t>
             </a:r>
+            <a:r>
+              <a:rPr b="1" dirty="0" sz="2400" lang="en-US"/>
+              <a:t>:</a:t>
+            </a:r>
+            <a:r>
+              <a:rPr b="1" dirty="0" sz="2400" lang="en-US"/>
+              <a:t> </a:t>
+            </a:r>
+            <a:r>
+              <a:rPr b="0" dirty="0" sz="2400" lang="en-US"/>
+              <a:t>V</a:t>
+            </a:r>
+            <a:r>
+              <a:rPr b="0" dirty="0" sz="2400" lang="en-US"/>
+              <a:t>I</a:t>
+            </a:r>
+            <a:r>
+              <a:rPr b="0" dirty="0" sz="2400" lang="en-US"/>
+              <a:t>D</a:t>
+            </a:r>
+            <a:r>
+              <a:rPr b="0" dirty="0" sz="2400" lang="en-US"/>
+              <a:t>H</a:t>
+            </a:r>
+            <a:r>
+              <a:rPr b="0" dirty="0" sz="2400" lang="en-US"/>
+              <a:t>Y</a:t>
+            </a:r>
+            <a:r>
+              <a:rPr b="0" dirty="0" sz="2400" lang="en-US"/>
+              <a:t>A</a:t>
+            </a:r>
+            <a:r>
+              <a:rPr b="0" dirty="0" sz="2400" lang="en-US"/>
+              <a:t> </a:t>
+            </a:r>
+            <a:r>
+              <a:rPr b="0" dirty="0" sz="2400" lang="en-US"/>
+              <a:t>S</a:t>
+            </a:r>
+            <a:r>
+              <a:rPr b="0" dirty="0" sz="2400" lang="en-US"/>
+              <a:t>A</a:t>
+            </a:r>
+            <a:r>
+              <a:rPr b="0" dirty="0" sz="2400" lang="en-US"/>
+              <a:t>G</a:t>
+            </a:r>
+            <a:r>
+              <a:rPr b="0" dirty="0" sz="2400" lang="en-US"/>
+              <a:t>A</a:t>
+            </a:r>
+            <a:r>
+              <a:rPr b="0" dirty="0" sz="2400" lang="en-US"/>
+              <a:t>R</a:t>
+            </a:r>
+            <a:r>
+              <a:rPr b="0" dirty="0" sz="2400" lang="en-US"/>
+              <a:t> </a:t>
+            </a:r>
+            <a:r>
+              <a:rPr b="0" dirty="0" sz="2400" lang="en-US"/>
+              <a:t>W</a:t>
+            </a:r>
+            <a:r>
+              <a:rPr b="0" dirty="0" sz="2400" lang="en-US"/>
+              <a:t>O</a:t>
+            </a:r>
+            <a:r>
+              <a:rPr b="0" dirty="0" sz="2400" lang="en-US"/>
+              <a:t>M</a:t>
+            </a:r>
+            <a:r>
+              <a:rPr b="0" dirty="0" sz="2400" lang="en-US"/>
+              <a:t>EN</a:t>
+            </a:r>
+            <a:r>
+              <a:rPr b="0" dirty="0" sz="2400" lang="en-US"/>
+              <a:t>'S </a:t>
+            </a:r>
+            <a:r>
+              <a:rPr b="0" dirty="0" sz="2400" lang="en-US"/>
+              <a:t>C</a:t>
+            </a:r>
+            <a:r>
+              <a:rPr b="0" dirty="0" sz="2400" lang="en-US"/>
+              <a:t>O</a:t>
+            </a:r>
+            <a:r>
+              <a:rPr b="0" dirty="0" sz="2400" lang="en-US"/>
+              <a:t>L</a:t>
+            </a:r>
+            <a:r>
+              <a:rPr b="0" dirty="0" sz="2400" lang="en-US"/>
+              <a:t>L</a:t>
+            </a:r>
+            <a:r>
+              <a:rPr b="0" dirty="0" sz="2400" lang="en-US"/>
+              <a:t>EGE </a:t>
+            </a:r>
+            <a:endParaRPr b="1" dirty="0" sz="2400" lang="en-US"/>
           </a:p>
           <a:p>
             <a:r>
@@ -2589,7 +2836,7 @@
   <p:cSld>
     <p:spTree>
       <p:nvGrpSpPr>
-        <p:cNvPr id="23" name=""/>
+        <p:cNvPr id="40" name=""/>
         <p:cNvGrpSpPr/>
         <p:nvPr/>
       </p:nvGrpSpPr>
@@ -2603,7 +2850,7 @@
       </p:grpSpPr>
       <p:sp>
         <p:nvSpPr>
-          <p:cNvPr id="1048607" name="object 5"/>
+          <p:cNvPr id="1048679" name="object 5"/>
           <p:cNvSpPr/>
           <p:nvPr/>
         </p:nvSpPr>
@@ -2648,7 +2895,7 @@
       </p:sp>
       <p:pic>
         <p:nvPicPr>
-          <p:cNvPr id="2097153" name="object 6"/>
+          <p:cNvPr id="2097166" name="object 6"/>
           <p:cNvPicPr>
             <a:picLocks/>
           </p:cNvPicPr>
@@ -2670,7 +2917,7 @@
       </p:pic>
       <p:sp>
         <p:nvSpPr>
-          <p:cNvPr id="1048608" name="object 9"/>
+          <p:cNvPr id="1048680" name="object 9"/>
           <p:cNvSpPr txBox="1"/>
           <p:nvPr/>
         </p:nvSpPr>
@@ -2713,7 +2960,7 @@
       </p:sp>
       <p:sp>
         <p:nvSpPr>
-          <p:cNvPr id="1048609" name="object 8"/>
+          <p:cNvPr id="1048681" name="object 8"/>
           <p:cNvSpPr txBox="1"/>
           <p:nvPr/>
         </p:nvSpPr>
@@ -2802,7 +3049,7 @@
       </p:sp>
       <p:sp>
         <p:nvSpPr>
-          <p:cNvPr id="1048610" name="object 3"/>
+          <p:cNvPr id="1048682" name="object 3"/>
           <p:cNvSpPr/>
           <p:nvPr/>
         </p:nvSpPr>
@@ -2847,7 +3094,7 @@
       </p:sp>
       <p:sp>
         <p:nvSpPr>
-          <p:cNvPr id="1048713" name=""/>
+          <p:cNvPr id="1048683" name=""/>
           <p:cNvSpPr txBox="1"/>
           <p:nvPr/>
         </p:nvSpPr>
@@ -3396,7 +3643,7 @@
   <p:cSld>
     <p:spTree>
       <p:nvGrpSpPr>
-        <p:cNvPr id="25" name=""/>
+        <p:cNvPr id="41" name=""/>
         <p:cNvGrpSpPr/>
         <p:nvPr/>
       </p:nvGrpSpPr>
@@ -3410,7 +3657,7 @@
       </p:grpSpPr>
       <p:sp>
         <p:nvSpPr>
-          <p:cNvPr id="1048613" name="object 3"/>
+          <p:cNvPr id="1048684" name="object 3"/>
           <p:cNvSpPr/>
           <p:nvPr/>
         </p:nvSpPr>
@@ -3455,7 +3702,7 @@
       </p:sp>
       <p:sp>
         <p:nvSpPr>
-          <p:cNvPr id="1048614" name="object 4"/>
+          <p:cNvPr id="1048685" name="object 4"/>
           <p:cNvSpPr/>
           <p:nvPr/>
         </p:nvSpPr>
@@ -3500,7 +3747,7 @@
       </p:sp>
       <p:sp>
         <p:nvSpPr>
-          <p:cNvPr id="1048615" name="object 5"/>
+          <p:cNvPr id="1048686" name="object 5"/>
           <p:cNvSpPr/>
           <p:nvPr/>
         </p:nvSpPr>
@@ -3545,7 +3792,7 @@
       </p:sp>
       <p:pic>
         <p:nvPicPr>
-          <p:cNvPr id="2097154" name="object 6"/>
+          <p:cNvPr id="2097167" name="object 6"/>
           <p:cNvPicPr>
             <a:picLocks/>
           </p:cNvPicPr>
@@ -3567,7 +3814,7 @@
       </p:pic>
       <p:sp>
         <p:nvSpPr>
-          <p:cNvPr id="1048616" name="object 7"/>
+          <p:cNvPr id="1048687" name="object 7"/>
           <p:cNvSpPr txBox="1">
             <a:spLocks noGrp="1"/>
           </p:cNvSpPr>
@@ -3624,7 +3871,7 @@
       </p:sp>
       <p:sp>
         <p:nvSpPr>
-          <p:cNvPr id="1048617" name="object 9"/>
+          <p:cNvPr id="1048688" name="object 9"/>
           <p:cNvSpPr txBox="1"/>
           <p:nvPr/>
         </p:nvSpPr>
@@ -3667,7 +3914,7 @@
       </p:sp>
       <p:sp>
         <p:nvSpPr>
-          <p:cNvPr id="1048714" name=""/>
+          <p:cNvPr id="1048689" name=""/>
           <p:cNvSpPr txBox="1"/>
           <p:nvPr/>
         </p:nvSpPr>
@@ -3809,7 +4056,7 @@
   <p:cSld>
     <p:spTree>
       <p:nvGrpSpPr>
-        <p:cNvPr id="27" name=""/>
+        <p:cNvPr id="42" name=""/>
         <p:cNvGrpSpPr/>
         <p:nvPr/>
       </p:nvGrpSpPr>
@@ -3823,7 +4070,7 @@
       </p:grpSpPr>
       <p:sp>
         <p:nvSpPr>
-          <p:cNvPr id="1048624" name="Title 1"/>
+          <p:cNvPr id="1048690" name="Title 1"/>
           <p:cNvSpPr>
             <a:spLocks noGrp="1"/>
           </p:cNvSpPr>
@@ -3856,7 +4103,7 @@
       </p:sp>
       <p:sp>
         <p:nvSpPr>
-          <p:cNvPr id="1048715" name=""/>
+          <p:cNvPr id="1048691" name=""/>
           <p:cNvSpPr txBox="1"/>
           <p:nvPr/>
         </p:nvSpPr>
@@ -3901,7 +4148,7 @@
   <p:cSld>
     <p:spTree>
       <p:nvGrpSpPr>
-        <p:cNvPr id="33" name=""/>
+        <p:cNvPr id="26" name=""/>
         <p:cNvGrpSpPr/>
         <p:nvPr/>
       </p:nvGrpSpPr>
@@ -3915,7 +4162,7 @@
       </p:grpSpPr>
       <p:sp>
         <p:nvSpPr>
-          <p:cNvPr id="1048641" name="object 2"/>
+          <p:cNvPr id="1048610" name="object 2"/>
           <p:cNvSpPr/>
           <p:nvPr/>
         </p:nvSpPr>
@@ -3965,7 +4212,7 @@
       </p:sp>
       <p:grpSp>
         <p:nvGrpSpPr>
-          <p:cNvPr id="34" name="object 3"/>
+          <p:cNvPr id="27" name="object 3"/>
           <p:cNvGrpSpPr/>
           <p:nvPr/>
         </p:nvGrpSpPr>
@@ -3979,7 +4226,7 @@
         </p:grpSpPr>
         <p:sp>
           <p:nvSpPr>
-            <p:cNvPr id="1048642" name="object 4"/>
+            <p:cNvPr id="1048611" name="object 4"/>
             <p:cNvSpPr/>
             <p:nvPr/>
           </p:nvSpPr>
@@ -4016,7 +4263,7 @@
         </p:sp>
         <p:sp>
           <p:nvSpPr>
-            <p:cNvPr id="1048643" name="object 5"/>
+            <p:cNvPr id="1048612" name="object 5"/>
             <p:cNvSpPr/>
             <p:nvPr/>
           </p:nvSpPr>
@@ -4053,7 +4300,7 @@
         </p:sp>
         <p:sp>
           <p:nvSpPr>
-            <p:cNvPr id="1048644" name="object 6"/>
+            <p:cNvPr id="1048613" name="object 6"/>
             <p:cNvSpPr/>
             <p:nvPr/>
           </p:nvSpPr>
@@ -4100,7 +4347,7 @@
         </p:sp>
         <p:sp>
           <p:nvSpPr>
-            <p:cNvPr id="1048645" name="object 7"/>
+            <p:cNvPr id="1048614" name="object 7"/>
             <p:cNvSpPr/>
             <p:nvPr/>
           </p:nvSpPr>
@@ -4147,7 +4394,7 @@
         </p:sp>
         <p:sp>
           <p:nvSpPr>
-            <p:cNvPr id="1048646" name="object 8"/>
+            <p:cNvPr id="1048615" name="object 8"/>
             <p:cNvSpPr/>
             <p:nvPr/>
           </p:nvSpPr>
@@ -4191,7 +4438,7 @@
         </p:sp>
         <p:sp>
           <p:nvSpPr>
-            <p:cNvPr id="1048647" name="object 9"/>
+            <p:cNvPr id="1048616" name="object 9"/>
             <p:cNvSpPr/>
             <p:nvPr/>
           </p:nvSpPr>
@@ -4238,7 +4485,7 @@
         </p:sp>
         <p:sp>
           <p:nvSpPr>
-            <p:cNvPr id="1048648" name="object 10"/>
+            <p:cNvPr id="1048617" name="object 10"/>
             <p:cNvSpPr/>
             <p:nvPr/>
           </p:nvSpPr>
@@ -4285,7 +4532,7 @@
         </p:sp>
         <p:sp>
           <p:nvSpPr>
-            <p:cNvPr id="1048649" name="object 11"/>
+            <p:cNvPr id="1048618" name="object 11"/>
             <p:cNvSpPr/>
             <p:nvPr/>
           </p:nvSpPr>
@@ -4332,7 +4579,7 @@
         </p:sp>
         <p:sp>
           <p:nvSpPr>
-            <p:cNvPr id="1048650" name="object 12"/>
+            <p:cNvPr id="1048619" name="object 12"/>
             <p:cNvSpPr/>
             <p:nvPr/>
           </p:nvSpPr>
@@ -4377,7 +4624,7 @@
       </p:grpSp>
       <p:sp>
         <p:nvSpPr>
-          <p:cNvPr id="1048651" name="object 13"/>
+          <p:cNvPr id="1048620" name="object 13"/>
           <p:cNvSpPr/>
           <p:nvPr/>
         </p:nvSpPr>
@@ -4421,7 +4668,7 @@
       </p:sp>
       <p:sp>
         <p:nvSpPr>
-          <p:cNvPr id="1048652" name="object 14"/>
+          <p:cNvPr id="1048621" name="object 14"/>
           <p:cNvSpPr/>
           <p:nvPr/>
         </p:nvSpPr>
@@ -4466,7 +4713,7 @@
       </p:sp>
       <p:sp>
         <p:nvSpPr>
-          <p:cNvPr id="1048653" name="object 15"/>
+          <p:cNvPr id="1048622" name="object 15"/>
           <p:cNvSpPr/>
           <p:nvPr/>
         </p:nvSpPr>
@@ -4511,7 +4758,7 @@
       </p:sp>
       <p:sp>
         <p:nvSpPr>
-          <p:cNvPr id="1048654" name="object 16"/>
+          <p:cNvPr id="1048623" name="object 16"/>
           <p:cNvSpPr/>
           <p:nvPr/>
         </p:nvSpPr>
@@ -4556,7 +4803,7 @@
       </p:sp>
       <p:sp>
         <p:nvSpPr>
-          <p:cNvPr id="1048655" name="object 17"/>
+          <p:cNvPr id="1048624" name="object 17"/>
           <p:cNvSpPr txBox="1">
             <a:spLocks noGrp="1"/>
           </p:cNvSpPr>
@@ -4602,7 +4849,7 @@
       </p:sp>
       <p:grpSp>
         <p:nvGrpSpPr>
-          <p:cNvPr id="35" name="object 18"/>
+          <p:cNvPr id="28" name="object 18"/>
           <p:cNvGrpSpPr/>
           <p:nvPr/>
         </p:nvGrpSpPr>
@@ -4616,7 +4863,7 @@
         </p:grpSpPr>
         <p:pic>
           <p:nvPicPr>
-            <p:cNvPr id="2097159" name="object 19"/>
+            <p:cNvPr id="2097153" name="object 19"/>
             <p:cNvPicPr>
               <a:picLocks/>
             </p:cNvPicPr>
@@ -4638,7 +4885,7 @@
         </p:pic>
         <p:pic>
           <p:nvPicPr>
-            <p:cNvPr id="2097160" name="object 20"/>
+            <p:cNvPr id="2097154" name="object 20"/>
             <p:cNvPicPr>
               <a:picLocks/>
             </p:cNvPicPr>
@@ -4661,7 +4908,7 @@
       </p:grpSp>
       <p:sp>
         <p:nvSpPr>
-          <p:cNvPr id="1048656" name="object 22"/>
+          <p:cNvPr id="1048625" name="object 22"/>
           <p:cNvSpPr txBox="1">
             <a:spLocks noGrp="1"/>
           </p:cNvSpPr>
@@ -4699,7 +4946,7 @@
       </p:sp>
       <p:sp>
         <p:nvSpPr>
-          <p:cNvPr id="1048657" name="TextBox 22"/>
+          <p:cNvPr id="1048626" name="TextBox 22"/>
           <p:cNvSpPr txBox="1"/>
           <p:nvPr/>
         </p:nvSpPr>
@@ -4749,7 +4996,7 @@
   <p:cSld>
     <p:spTree>
       <p:nvGrpSpPr>
-        <p:cNvPr id="36" name=""/>
+        <p:cNvPr id="29" name=""/>
         <p:cNvGrpSpPr/>
         <p:nvPr/>
       </p:nvGrpSpPr>
@@ -4763,7 +5010,7 @@
       </p:grpSpPr>
       <p:sp>
         <p:nvSpPr>
-          <p:cNvPr id="1048658" name="object 2"/>
+          <p:cNvPr id="1048627" name="object 2"/>
           <p:cNvSpPr/>
           <p:nvPr/>
         </p:nvSpPr>
@@ -4810,7 +5057,7 @@
       </p:sp>
       <p:grpSp>
         <p:nvGrpSpPr>
-          <p:cNvPr id="37" name="object 3"/>
+          <p:cNvPr id="30" name="object 3"/>
           <p:cNvGrpSpPr/>
           <p:nvPr/>
         </p:nvGrpSpPr>
@@ -4824,7 +5071,7 @@
         </p:grpSpPr>
         <p:sp>
           <p:nvSpPr>
-            <p:cNvPr id="1048659" name="object 4"/>
+            <p:cNvPr id="1048628" name="object 4"/>
             <p:cNvSpPr/>
             <p:nvPr/>
           </p:nvSpPr>
@@ -4861,7 +5108,7 @@
         </p:sp>
         <p:sp>
           <p:nvSpPr>
-            <p:cNvPr id="1048660" name="object 5"/>
+            <p:cNvPr id="1048629" name="object 5"/>
             <p:cNvSpPr/>
             <p:nvPr/>
           </p:nvSpPr>
@@ -4898,7 +5145,7 @@
         </p:sp>
         <p:sp>
           <p:nvSpPr>
-            <p:cNvPr id="1048661" name="object 6"/>
+            <p:cNvPr id="1048630" name="object 6"/>
             <p:cNvSpPr/>
             <p:nvPr/>
           </p:nvSpPr>
@@ -4945,7 +5192,7 @@
         </p:sp>
         <p:sp>
           <p:nvSpPr>
-            <p:cNvPr id="1048662" name="object 7"/>
+            <p:cNvPr id="1048631" name="object 7"/>
             <p:cNvSpPr/>
             <p:nvPr/>
           </p:nvSpPr>
@@ -4992,7 +5239,7 @@
         </p:sp>
         <p:sp>
           <p:nvSpPr>
-            <p:cNvPr id="1048663" name="object 8"/>
+            <p:cNvPr id="1048632" name="object 8"/>
             <p:cNvSpPr/>
             <p:nvPr/>
           </p:nvSpPr>
@@ -5036,7 +5283,7 @@
         </p:sp>
         <p:sp>
           <p:nvSpPr>
-            <p:cNvPr id="1048664" name="object 9"/>
+            <p:cNvPr id="1048633" name="object 9"/>
             <p:cNvSpPr/>
             <p:nvPr/>
           </p:nvSpPr>
@@ -5083,7 +5330,7 @@
         </p:sp>
         <p:sp>
           <p:nvSpPr>
-            <p:cNvPr id="1048665" name="object 10"/>
+            <p:cNvPr id="1048634" name="object 10"/>
             <p:cNvSpPr/>
             <p:nvPr/>
           </p:nvSpPr>
@@ -5130,7 +5377,7 @@
         </p:sp>
         <p:sp>
           <p:nvSpPr>
-            <p:cNvPr id="1048666" name="object 11"/>
+            <p:cNvPr id="1048635" name="object 11"/>
             <p:cNvSpPr/>
             <p:nvPr/>
           </p:nvSpPr>
@@ -5177,7 +5424,7 @@
         </p:sp>
         <p:sp>
           <p:nvSpPr>
-            <p:cNvPr id="1048667" name="object 12"/>
+            <p:cNvPr id="1048636" name="object 12"/>
             <p:cNvSpPr/>
             <p:nvPr/>
           </p:nvSpPr>
@@ -5222,7 +5469,7 @@
       </p:grpSp>
       <p:sp>
         <p:nvSpPr>
-          <p:cNvPr id="1048668" name="object 13"/>
+          <p:cNvPr id="1048637" name="object 13"/>
           <p:cNvSpPr/>
           <p:nvPr/>
         </p:nvSpPr>
@@ -5266,7 +5513,7 @@
       </p:sp>
       <p:sp>
         <p:nvSpPr>
-          <p:cNvPr id="1048669" name="object 14"/>
+          <p:cNvPr id="1048638" name="object 14"/>
           <p:cNvSpPr txBox="1"/>
           <p:nvPr/>
         </p:nvSpPr>
@@ -5436,7 +5683,7 @@
       </p:sp>
       <p:sp>
         <p:nvSpPr>
-          <p:cNvPr id="1048670" name="object 15"/>
+          <p:cNvPr id="1048639" name="object 15"/>
           <p:cNvSpPr/>
           <p:nvPr/>
         </p:nvSpPr>
@@ -5541,7 +5788,7 @@
       </p:sp>
       <p:sp>
         <p:nvSpPr>
-          <p:cNvPr id="1048671" name="object 16"/>
+          <p:cNvPr id="1048640" name="object 16"/>
           <p:cNvSpPr/>
           <p:nvPr/>
         </p:nvSpPr>
@@ -5706,7 +5953,7 @@
       </p:sp>
       <p:pic>
         <p:nvPicPr>
-          <p:cNvPr id="2097161" name="object 17"/>
+          <p:cNvPr id="2097155" name="object 17"/>
           <p:cNvPicPr>
             <a:picLocks/>
           </p:cNvPicPr>
@@ -5728,7 +5975,7 @@
       </p:pic>
       <p:grpSp>
         <p:nvGrpSpPr>
-          <p:cNvPr id="38" name="object 18"/>
+          <p:cNvPr id="31" name="object 18"/>
           <p:cNvGrpSpPr/>
           <p:nvPr/>
         </p:nvGrpSpPr>
@@ -5742,7 +5989,7 @@
         </p:grpSpPr>
         <p:pic>
           <p:nvPicPr>
-            <p:cNvPr id="2097162" name="object 19"/>
+            <p:cNvPr id="2097156" name="object 19"/>
             <p:cNvPicPr>
               <a:picLocks/>
             </p:cNvPicPr>
@@ -5764,7 +6011,7 @@
         </p:pic>
         <p:pic>
           <p:nvPicPr>
-            <p:cNvPr id="2097163" name="object 20"/>
+            <p:cNvPr id="2097157" name="object 20"/>
             <p:cNvPicPr>
               <a:picLocks/>
             </p:cNvPicPr>
@@ -5787,7 +6034,7 @@
       </p:grpSp>
       <p:sp>
         <p:nvSpPr>
-          <p:cNvPr id="1048672" name="object 21"/>
+          <p:cNvPr id="1048641" name="object 21"/>
           <p:cNvSpPr txBox="1">
             <a:spLocks noGrp="1"/>
           </p:cNvSpPr>
@@ -5840,7 +6087,7 @@
       </p:sp>
       <p:sp>
         <p:nvSpPr>
-          <p:cNvPr id="1048673" name="object 22"/>
+          <p:cNvPr id="1048642" name="object 22"/>
           <p:cNvSpPr txBox="1">
             <a:spLocks noGrp="1"/>
           </p:cNvSpPr>
@@ -5878,7 +6125,7 @@
       </p:sp>
       <p:sp>
         <p:nvSpPr>
-          <p:cNvPr id="1048674" name="TextBox 22"/>
+          <p:cNvPr id="1048643" name="TextBox 22"/>
           <p:cNvSpPr txBox="1"/>
           <p:nvPr/>
         </p:nvSpPr>
@@ -6087,7 +6334,7 @@
   <p:cSld>
     <p:spTree>
       <p:nvGrpSpPr>
-        <p:cNvPr id="39" name=""/>
+        <p:cNvPr id="32" name=""/>
         <p:cNvGrpSpPr/>
         <p:nvPr/>
       </p:nvGrpSpPr>
@@ -6101,7 +6348,7 @@
       </p:grpSpPr>
       <p:grpSp>
         <p:nvGrpSpPr>
-          <p:cNvPr id="40" name="object 2"/>
+          <p:cNvPr id="33" name="object 2"/>
           <p:cNvGrpSpPr/>
           <p:nvPr/>
         </p:nvGrpSpPr>
@@ -6115,7 +6362,7 @@
         </p:grpSpPr>
         <p:sp>
           <p:nvSpPr>
-            <p:cNvPr id="1048675" name="object 3"/>
+            <p:cNvPr id="1048644" name="object 3"/>
             <p:cNvSpPr/>
             <p:nvPr/>
           </p:nvSpPr>
@@ -6160,7 +6407,7 @@
         </p:sp>
         <p:sp>
           <p:nvSpPr>
-            <p:cNvPr id="1048676" name="object 4"/>
+            <p:cNvPr id="1048645" name="object 4"/>
             <p:cNvSpPr/>
             <p:nvPr/>
           </p:nvSpPr>
@@ -6205,7 +6452,7 @@
         </p:sp>
         <p:pic>
           <p:nvPicPr>
-            <p:cNvPr id="2097164" name="object 5"/>
+            <p:cNvPr id="2097158" name="object 5"/>
             <p:cNvPicPr>
               <a:picLocks/>
             </p:cNvPicPr>
@@ -6228,7 +6475,7 @@
       </p:grpSp>
       <p:sp>
         <p:nvSpPr>
-          <p:cNvPr id="1048677" name="object 6"/>
+          <p:cNvPr id="1048646" name="object 6"/>
           <p:cNvSpPr/>
           <p:nvPr/>
         </p:nvSpPr>
@@ -6273,7 +6520,7 @@
       </p:sp>
       <p:sp>
         <p:nvSpPr>
-          <p:cNvPr id="1048678" name="object 7"/>
+          <p:cNvPr id="1048647" name="object 7"/>
           <p:cNvSpPr txBox="1">
             <a:spLocks noGrp="1"/>
           </p:cNvSpPr>
@@ -6362,7 +6609,7 @@
       </p:sp>
       <p:pic>
         <p:nvPicPr>
-          <p:cNvPr id="2097165" name="object 8"/>
+          <p:cNvPr id="2097159" name="object 8"/>
           <p:cNvPicPr>
             <a:picLocks/>
           </p:cNvPicPr>
@@ -6384,7 +6631,7 @@
       </p:pic>
       <p:sp>
         <p:nvSpPr>
-          <p:cNvPr id="1048679" name="object 10"/>
+          <p:cNvPr id="1048648" name="object 10"/>
           <p:cNvSpPr txBox="1">
             <a:spLocks noGrp="1"/>
           </p:cNvSpPr>
@@ -6422,7 +6669,7 @@
       </p:sp>
       <p:sp>
         <p:nvSpPr>
-          <p:cNvPr id="1048680" name=""/>
+          <p:cNvPr id="1048649" name=""/>
           <p:cNvSpPr txBox="1"/>
           <p:nvPr/>
         </p:nvSpPr>
@@ -6464,7 +6711,7 @@
       </p:sp>
       <p:sp>
         <p:nvSpPr>
-          <p:cNvPr id="1048681" name=""/>
+          <p:cNvPr id="1048650" name=""/>
           <p:cNvSpPr txBox="1"/>
           <p:nvPr/>
         </p:nvSpPr>
@@ -6509,7 +6756,7 @@
   <p:cSld>
     <p:spTree>
       <p:nvGrpSpPr>
-        <p:cNvPr id="41" name=""/>
+        <p:cNvPr id="34" name=""/>
         <p:cNvGrpSpPr/>
         <p:nvPr/>
       </p:nvGrpSpPr>
@@ -6523,7 +6770,7 @@
       </p:grpSpPr>
       <p:grpSp>
         <p:nvGrpSpPr>
-          <p:cNvPr id="42" name="object 2"/>
+          <p:cNvPr id="35" name="object 2"/>
           <p:cNvGrpSpPr/>
           <p:nvPr/>
         </p:nvGrpSpPr>
@@ -6537,7 +6784,7 @@
         </p:grpSpPr>
         <p:sp>
           <p:nvSpPr>
-            <p:cNvPr id="1048682" name="object 3"/>
+            <p:cNvPr id="1048651" name="object 3"/>
             <p:cNvSpPr/>
             <p:nvPr/>
           </p:nvSpPr>
@@ -6582,7 +6829,7 @@
         </p:sp>
         <p:sp>
           <p:nvSpPr>
-            <p:cNvPr id="1048683" name="object 4"/>
+            <p:cNvPr id="1048652" name="object 4"/>
             <p:cNvSpPr/>
             <p:nvPr/>
           </p:nvSpPr>
@@ -6627,7 +6874,7 @@
         </p:sp>
         <p:pic>
           <p:nvPicPr>
-            <p:cNvPr id="2097166" name="object 5"/>
+            <p:cNvPr id="2097160" name="object 5"/>
             <p:cNvPicPr>
               <a:picLocks/>
             </p:cNvPicPr>
@@ -6650,7 +6897,7 @@
       </p:grpSp>
       <p:sp>
         <p:nvSpPr>
-          <p:cNvPr id="1048684" name="object 6"/>
+          <p:cNvPr id="1048653" name="object 6"/>
           <p:cNvSpPr/>
           <p:nvPr/>
         </p:nvSpPr>
@@ -6695,7 +6942,7 @@
       </p:sp>
       <p:sp>
         <p:nvSpPr>
-          <p:cNvPr id="1048685" name="object 7"/>
+          <p:cNvPr id="1048654" name="object 7"/>
           <p:cNvSpPr txBox="1">
             <a:spLocks noGrp="1"/>
           </p:cNvSpPr>
@@ -6740,7 +6987,7 @@
       </p:sp>
       <p:pic>
         <p:nvPicPr>
-          <p:cNvPr id="2097167" name="object 8"/>
+          <p:cNvPr id="2097161" name="object 8"/>
           <p:cNvPicPr>
             <a:picLocks/>
           </p:cNvPicPr>
@@ -6762,7 +7009,7 @@
       </p:pic>
       <p:sp>
         <p:nvSpPr>
-          <p:cNvPr id="1048686" name="object 10"/>
+          <p:cNvPr id="1048655" name="object 10"/>
           <p:cNvSpPr txBox="1">
             <a:spLocks noGrp="1"/>
           </p:cNvSpPr>
@@ -6800,7 +7047,7 @@
       </p:sp>
       <p:sp>
         <p:nvSpPr>
-          <p:cNvPr id="1048687" name="TextBox 10"/>
+          <p:cNvPr id="1048656" name="TextBox 10"/>
           <p:cNvSpPr txBox="1"/>
           <p:nvPr/>
         </p:nvSpPr>
@@ -6845,7 +7092,7 @@
       </p:sp>
       <p:sp>
         <p:nvSpPr>
-          <p:cNvPr id="1048688" name=""/>
+          <p:cNvPr id="1048657" name=""/>
           <p:cNvSpPr txBox="1"/>
           <p:nvPr/>
         </p:nvSpPr>
@@ -6909,7 +7156,7 @@
   <p:cSld>
     <p:spTree>
       <p:nvGrpSpPr>
-        <p:cNvPr id="28" name=""/>
+        <p:cNvPr id="36" name=""/>
         <p:cNvGrpSpPr/>
         <p:nvPr/>
       </p:nvGrpSpPr>
@@ -6923,7 +7170,7 @@
       </p:grpSpPr>
       <p:sp>
         <p:nvSpPr>
-          <p:cNvPr id="1048625" name="object 2"/>
+          <p:cNvPr id="1048658" name="object 2"/>
           <p:cNvSpPr/>
           <p:nvPr/>
         </p:nvSpPr>
@@ -6968,7 +7215,7 @@
       </p:sp>
       <p:sp>
         <p:nvSpPr>
-          <p:cNvPr id="1048626" name="object 3"/>
+          <p:cNvPr id="1048659" name="object 3"/>
           <p:cNvSpPr/>
           <p:nvPr/>
         </p:nvSpPr>
@@ -7013,7 +7260,7 @@
       </p:sp>
       <p:sp>
         <p:nvSpPr>
-          <p:cNvPr id="1048627" name="object 4"/>
+          <p:cNvPr id="1048660" name="object 4"/>
           <p:cNvSpPr/>
           <p:nvPr/>
         </p:nvSpPr>
@@ -7058,7 +7305,7 @@
       </p:sp>
       <p:sp>
         <p:nvSpPr>
-          <p:cNvPr id="1048628" name="object 5"/>
+          <p:cNvPr id="1048661" name="object 5"/>
           <p:cNvSpPr txBox="1">
             <a:spLocks noGrp="1"/>
           </p:cNvSpPr>
@@ -7172,7 +7419,7 @@
       </p:sp>
       <p:pic>
         <p:nvPicPr>
-          <p:cNvPr id="2097157" name="object 6"/>
+          <p:cNvPr id="2097162" name="object 6"/>
           <p:cNvPicPr>
             <a:picLocks/>
           </p:cNvPicPr>
@@ -7194,7 +7441,7 @@
       </p:pic>
       <p:sp>
         <p:nvSpPr>
-          <p:cNvPr id="1048629" name="object 8"/>
+          <p:cNvPr id="1048662" name="object 8"/>
           <p:cNvSpPr txBox="1">
             <a:spLocks noGrp="1"/>
           </p:cNvSpPr>
@@ -7232,7 +7479,7 @@
       </p:sp>
       <p:sp>
         <p:nvSpPr>
-          <p:cNvPr id="1048630" name=""/>
+          <p:cNvPr id="1048663" name=""/>
           <p:cNvSpPr txBox="1"/>
           <p:nvPr/>
         </p:nvSpPr>
@@ -7291,7 +7538,7 @@
   <p:cSld>
     <p:spTree>
       <p:nvGrpSpPr>
-        <p:cNvPr id="26" name=""/>
+        <p:cNvPr id="37" name=""/>
         <p:cNvGrpSpPr/>
         <p:nvPr/>
       </p:nvGrpSpPr>
@@ -7305,7 +7552,7 @@
       </p:grpSpPr>
       <p:pic>
         <p:nvPicPr>
-          <p:cNvPr id="2097155" name="object 2"/>
+          <p:cNvPr id="2097163" name="object 2"/>
           <p:cNvPicPr>
             <a:picLocks/>
           </p:cNvPicPr>
@@ -7327,7 +7574,7 @@
       </p:pic>
       <p:sp>
         <p:nvSpPr>
-          <p:cNvPr id="1048618" name="object 3"/>
+          <p:cNvPr id="1048664" name="object 3"/>
           <p:cNvSpPr/>
           <p:nvPr/>
         </p:nvSpPr>
@@ -7372,7 +7619,7 @@
       </p:sp>
       <p:sp>
         <p:nvSpPr>
-          <p:cNvPr id="1048619" name="object 4"/>
+          <p:cNvPr id="1048665" name="object 4"/>
           <p:cNvSpPr/>
           <p:nvPr/>
         </p:nvSpPr>
@@ -7417,7 +7664,7 @@
       </p:sp>
       <p:sp>
         <p:nvSpPr>
-          <p:cNvPr id="1048620" name="object 5"/>
+          <p:cNvPr id="1048666" name="object 5"/>
           <p:cNvSpPr/>
           <p:nvPr/>
         </p:nvSpPr>
@@ -7462,7 +7709,7 @@
       </p:sp>
       <p:sp>
         <p:nvSpPr>
-          <p:cNvPr id="1048621" name="object 6"/>
+          <p:cNvPr id="1048667" name="object 6"/>
           <p:cNvSpPr txBox="1">
             <a:spLocks noGrp="1"/>
           </p:cNvSpPr>
@@ -7639,7 +7886,7 @@
       </p:sp>
       <p:pic>
         <p:nvPicPr>
-          <p:cNvPr id="2097156" name="object 7"/>
+          <p:cNvPr id="2097164" name="object 7"/>
           <p:cNvPicPr>
             <a:picLocks/>
           </p:cNvPicPr>
@@ -7661,7 +7908,7 @@
       </p:pic>
       <p:sp>
         <p:nvSpPr>
-          <p:cNvPr id="1048622" name="object 9"/>
+          <p:cNvPr id="1048668" name="object 9"/>
           <p:cNvSpPr txBox="1">
             <a:spLocks noGrp="1"/>
           </p:cNvSpPr>
@@ -7699,7 +7946,7 @@
       </p:sp>
       <p:sp>
         <p:nvSpPr>
-          <p:cNvPr id="1048623" name=""/>
+          <p:cNvPr id="1048669" name=""/>
           <p:cNvSpPr txBox="1"/>
           <p:nvPr/>
         </p:nvSpPr>
@@ -7748,7 +7995,7 @@
   <p:cSld>
     <p:spTree>
       <p:nvGrpSpPr>
-        <p:cNvPr id="24" name=""/>
+        <p:cNvPr id="38" name=""/>
         <p:cNvGrpSpPr/>
         <p:nvPr/>
       </p:nvGrpSpPr>
@@ -7762,7 +8009,7 @@
       </p:grpSpPr>
       <p:sp>
         <p:nvSpPr>
-          <p:cNvPr id="1048611" name="Title 1"/>
+          <p:cNvPr id="1048670" name="Title 1"/>
           <p:cNvSpPr>
             <a:spLocks noGrp="1"/>
           </p:cNvSpPr>
@@ -7788,7 +8035,7 @@
       </p:sp>
       <p:sp>
         <p:nvSpPr>
-          <p:cNvPr id="1048612" name=""/>
+          <p:cNvPr id="1048671" name=""/>
           <p:cNvSpPr txBox="1"/>
           <p:nvPr/>
         </p:nvSpPr>
@@ -7842,7 +8089,7 @@
   <p:cSld>
     <p:spTree>
       <p:nvGrpSpPr>
-        <p:cNvPr id="19" name=""/>
+        <p:cNvPr id="39" name=""/>
         <p:cNvGrpSpPr/>
         <p:nvPr/>
       </p:nvGrpSpPr>
@@ -7856,7 +8103,7 @@
       </p:grpSpPr>
       <p:sp>
         <p:nvSpPr>
-          <p:cNvPr id="1048595" name="object 2"/>
+          <p:cNvPr id="1048672" name="object 2"/>
           <p:cNvSpPr txBox="1"/>
           <p:nvPr/>
         </p:nvSpPr>
@@ -8026,7 +8273,7 @@
       </p:sp>
       <p:sp>
         <p:nvSpPr>
-          <p:cNvPr id="1048596" name="object 3"/>
+          <p:cNvPr id="1048673" name="object 3"/>
           <p:cNvSpPr/>
           <p:nvPr/>
         </p:nvSpPr>
@@ -8071,7 +8318,7 @@
       </p:sp>
       <p:sp>
         <p:nvSpPr>
-          <p:cNvPr id="1048597" name="object 4"/>
+          <p:cNvPr id="1048674" name="object 4"/>
           <p:cNvSpPr/>
           <p:nvPr/>
         </p:nvSpPr>
@@ -8116,7 +8363,7 @@
       </p:sp>
       <p:sp>
         <p:nvSpPr>
-          <p:cNvPr id="1048598" name="object 5"/>
+          <p:cNvPr id="1048675" name="object 5"/>
           <p:cNvSpPr/>
           <p:nvPr/>
         </p:nvSpPr>
@@ -8161,7 +8408,7 @@
       </p:sp>
       <p:pic>
         <p:nvPicPr>
-          <p:cNvPr id="2097152" name="object 6"/>
+          <p:cNvPr id="2097165" name="object 6"/>
           <p:cNvPicPr>
             <a:picLocks/>
           </p:cNvPicPr>
@@ -8183,7 +8430,7 @@
       </p:pic>
       <p:sp>
         <p:nvSpPr>
-          <p:cNvPr id="1048599" name="object 7"/>
+          <p:cNvPr id="1048676" name="object 7"/>
           <p:cNvSpPr txBox="1">
             <a:spLocks noGrp="1"/>
           </p:cNvSpPr>
@@ -8261,7 +8508,7 @@
       </p:sp>
       <p:sp>
         <p:nvSpPr>
-          <p:cNvPr id="1048600" name="object 8"/>
+          <p:cNvPr id="1048677" name="object 8"/>
           <p:cNvSpPr txBox="1"/>
           <p:nvPr/>
         </p:nvSpPr>
@@ -8304,7 +8551,7 @@
       </p:sp>
       <p:sp>
         <p:nvSpPr>
-          <p:cNvPr id="1048601" name=""/>
+          <p:cNvPr id="1048678" name=""/>
           <p:cNvSpPr txBox="1"/>
           <p:nvPr/>
         </p:nvSpPr>
